--- a/Slides/Aula4.pptx
+++ b/Slides/Aula4.pptx
@@ -26,6 +26,7 @@
     <p:sldId id="273" r:id="rId20"/>
     <p:sldId id="274" r:id="rId21"/>
     <p:sldId id="276" r:id="rId22"/>
+    <p:sldId id="277" r:id="rId23"/>
   </p:sldIdLst>
   <p:sldSz cx="9144000" cy="6858000" type="screen4x3"/>
   <p:notesSz cx="6858000" cy="9144000"/>
@@ -2885,7 +2886,7 @@
             <a:fld id="{0A98AF03-7270-45C2-A683-C5E353EF01A5}" type="datetime4">
               <a:rPr lang="en-US" smtClean="0"/>
               <a:pPr/>
-              <a:t>May 13, 2015</a:t>
+              <a:t>June 17, 2015</a:t>
             </a:fld>
             <a:endParaRPr lang="en-US" dirty="0"/>
           </a:p>
@@ -3172,7 +3173,7 @@
             <a:fld id="{A2FB5AFD-D735-4504-A039-ADEBB6448D55}" type="datetime4">
               <a:rPr lang="en-US" smtClean="0"/>
               <a:pPr/>
-              <a:t>May 13, 2015</a:t>
+              <a:t>June 17, 2015</a:t>
             </a:fld>
             <a:endParaRPr lang="en-US"/>
           </a:p>
@@ -3349,7 +3350,7 @@
             <a:fld id="{AB5C8118-FB93-4E87-B380-0175F2FE2167}" type="datetime4">
               <a:rPr lang="en-US" smtClean="0"/>
               <a:pPr/>
-              <a:t>May 13, 2015</a:t>
+              <a:t>June 17, 2015</a:t>
             </a:fld>
             <a:endParaRPr lang="en-US"/>
           </a:p>
@@ -3516,7 +3517,7 @@
             <a:fld id="{05A93482-8E69-40F7-BCAD-5662A6CADB27}" type="datetime4">
               <a:rPr lang="en-US" smtClean="0"/>
               <a:pPr/>
-              <a:t>May 13, 2015</a:t>
+              <a:t>June 17, 2015</a:t>
             </a:fld>
             <a:endParaRPr lang="en-US"/>
           </a:p>
@@ -3759,7 +3760,7 @@
             <a:fld id="{FBB7EAE1-CAAC-4AEF-919E-158692B1E55E}" type="datetime4">
               <a:rPr lang="en-US" smtClean="0"/>
               <a:pPr/>
-              <a:t>May 13, 2015</a:t>
+              <a:t>June 17, 2015</a:t>
             </a:fld>
             <a:endParaRPr lang="en-US"/>
           </a:p>
@@ -3874,7 +3875,7 @@
             <a:fld id="{9525A706-D8F2-4D1A-855A-CADC92600C26}" type="datetime4">
               <a:rPr lang="en-US" smtClean="0"/>
               <a:pPr/>
-              <a:t>May 13, 2015</a:t>
+              <a:t>June 17, 2015</a:t>
             </a:fld>
             <a:endParaRPr lang="en-US"/>
           </a:p>
@@ -4415,7 +4416,7 @@
             <a:fld id="{99B4F123-1704-49AC-9D15-C4B1462B8014}" type="datetime4">
               <a:rPr lang="en-US" smtClean="0"/>
               <a:pPr/>
-              <a:t>May 13, 2015</a:t>
+              <a:t>June 17, 2015</a:t>
             </a:fld>
             <a:endParaRPr lang="en-US"/>
           </a:p>
@@ -4530,7 +4531,7 @@
             <a:fld id="{E3127EC2-47FB-48A1-8644-C8A81DDAA119}" type="datetime4">
               <a:rPr lang="en-US" smtClean="0"/>
               <a:pPr/>
-              <a:t>May 13, 2015</a:t>
+              <a:t>June 17, 2015</a:t>
             </a:fld>
             <a:endParaRPr lang="en-US"/>
           </a:p>
@@ -4622,7 +4623,7 @@
             <a:fld id="{AE3EC3ED-7435-49F9-84C8-03CCA2F8DEDB}" type="datetime4">
               <a:rPr lang="en-US" smtClean="0"/>
               <a:pPr/>
-              <a:t>May 13, 2015</a:t>
+              <a:t>June 17, 2015</a:t>
             </a:fld>
             <a:endParaRPr lang="en-US"/>
           </a:p>
@@ -7275,7 +7276,7 @@
             <a:fld id="{3FC49BF1-FCD3-4395-8FF6-0047AF66228E}" type="datetime4">
               <a:rPr lang="en-US" smtClean="0"/>
               <a:pPr/>
-              <a:t>May 13, 2015</a:t>
+              <a:t>June 17, 2015</a:t>
             </a:fld>
             <a:endParaRPr lang="en-US"/>
           </a:p>
@@ -10489,7 +10490,7 @@
             <a:fld id="{CA861222-2C8B-4501-BE87-6797EC025925}" type="datetime4">
               <a:rPr lang="en-US" smtClean="0"/>
               <a:pPr/>
-              <a:t>May 13, 2015</a:t>
+              <a:t>June 17, 2015</a:t>
             </a:fld>
             <a:endParaRPr lang="en-US"/>
           </a:p>
@@ -13313,7 +13314,7 @@
             <a:fld id="{16C01193-8287-4834-A286-6B880643E934}" type="datetime4">
               <a:rPr lang="en-US" smtClean="0"/>
               <a:pPr/>
-              <a:t>May 13, 2015</a:t>
+              <a:t>June 17, 2015</a:t>
             </a:fld>
             <a:endParaRPr lang="en-US"/>
           </a:p>
@@ -18374,6 +18375,90 @@
 </p:sld>
 </file>
 
+<file path=ppt/slides/slide22.xml><?xml version="1.0" encoding="utf-8"?>
+<p:sld xmlns:a="http://schemas.openxmlformats.org/drawingml/2006/main" xmlns:r="http://schemas.openxmlformats.org/officeDocument/2006/relationships" xmlns:p="http://schemas.openxmlformats.org/presentationml/2006/main">
+  <p:cSld>
+    <p:spTree>
+      <p:nvGrpSpPr>
+        <p:cNvPr id="1" name=""/>
+        <p:cNvGrpSpPr/>
+        <p:nvPr/>
+      </p:nvGrpSpPr>
+      <p:grpSpPr>
+        <a:xfrm>
+          <a:off x="0" y="0"/>
+          <a:ext cx="0" cy="0"/>
+          <a:chOff x="0" y="0"/>
+          <a:chExt cx="0" cy="0"/>
+        </a:xfrm>
+      </p:grpSpPr>
+      <p:sp>
+        <p:nvSpPr>
+          <p:cNvPr id="2" name="Title 1"/>
+          <p:cNvSpPr>
+            <a:spLocks noGrp="1"/>
+          </p:cNvSpPr>
+          <p:nvPr>
+            <p:ph type="title"/>
+          </p:nvPr>
+        </p:nvSpPr>
+        <p:spPr/>
+        <p:txBody>
+          <a:bodyPr/>
+          <a:lstStyle/>
+          <a:p>
+            <a:r>
+              <a:rPr lang="pt-BR" dirty="0" smtClean="0"/>
+              <a:t>Desafio</a:t>
+            </a:r>
+            <a:endParaRPr lang="pt-BR" dirty="0"/>
+          </a:p>
+        </p:txBody>
+      </p:sp>
+      <p:sp>
+        <p:nvSpPr>
+          <p:cNvPr id="3" name="Content Placeholder 2"/>
+          <p:cNvSpPr>
+            <a:spLocks noGrp="1"/>
+          </p:cNvSpPr>
+          <p:nvPr>
+            <p:ph idx="1"/>
+          </p:nvPr>
+        </p:nvSpPr>
+        <p:spPr/>
+        <p:txBody>
+          <a:bodyPr/>
+          <a:lstStyle/>
+          <a:p>
+            <a:pPr>
+              <a:buFont typeface="Arial"/>
+              <a:buChar char="•"/>
+            </a:pPr>
+            <a:r>
+              <a:rPr lang="pt-BR" dirty="0" smtClean="0"/>
+              <a:t>Navegar de uma tela para outra atrav</a:t>
+            </a:r>
+            <a:r>
+              <a:rPr lang="pt-BR" dirty="0" smtClean="0"/>
+              <a:t>és do reconhecimento de um gesto.</a:t>
+            </a:r>
+            <a:endParaRPr lang="pt-BR" dirty="0"/>
+          </a:p>
+        </p:txBody>
+      </p:sp>
+    </p:spTree>
+    <p:extLst>
+      <p:ext uri="{BB962C8B-B14F-4D97-AF65-F5344CB8AC3E}">
+        <p14:creationId xmlns:p14="http://schemas.microsoft.com/office/powerpoint/2010/main" val="1523994504"/>
+      </p:ext>
+    </p:extLst>
+  </p:cSld>
+  <p:clrMapOvr>
+    <a:masterClrMapping/>
+  </p:clrMapOvr>
+</p:sld>
+</file>
+
 <file path=ppt/slides/slide3.xml><?xml version="1.0" encoding="utf-8"?>
 <p:sld xmlns:a="http://schemas.openxmlformats.org/drawingml/2006/main" xmlns:r="http://schemas.openxmlformats.org/officeDocument/2006/relationships" xmlns:p="http://schemas.openxmlformats.org/presentationml/2006/main">
   <p:cSld>
@@ -18701,21 +18786,8 @@
             </a:pPr>
             <a:r>
               <a:rPr lang="pt-BR" dirty="0" smtClean="0"/>
-              <a:t>Exibe </a:t>
-            </a:r>
-            <a:r>
-              <a:rPr lang="pt-BR" dirty="0" smtClean="0"/>
-              <a:t>o n</a:t>
-            </a:r>
-            <a:r>
-              <a:rPr lang="pt-BR" dirty="0" smtClean="0"/>
-              <a:t>úmero de abas que o dispositivo é capaz de exibir sem comprometer o design</a:t>
-            </a:r>
-            <a:r>
-              <a:rPr lang="pt-BR" dirty="0" smtClean="0"/>
-              <a:t>;</a:t>
-            </a:r>
-            <a:endParaRPr lang="pt-BR" dirty="0" smtClean="0"/>
+              <a:t>Exibe o número de abas que o dispositivo é capaz de exibir sem comprometer o design;</a:t>
+            </a:r>
           </a:p>
           <a:p>
             <a:pPr>
@@ -19612,15 +19684,7 @@
             </a:pPr>
             <a:r>
               <a:rPr lang="pt-BR" dirty="0" smtClean="0"/>
-              <a:t>E se eu precisar de mais </a:t>
-            </a:r>
-            <a:r>
-              <a:rPr lang="pt-BR" dirty="0" smtClean="0"/>
-              <a:t>abas</a:t>
-            </a:r>
-            <a:r>
-              <a:rPr lang="pt-BR" dirty="0" smtClean="0"/>
-              <a:t>?</a:t>
+              <a:t>E se eu precisar de mais abas?</a:t>
             </a:r>
             <a:endParaRPr lang="pt-BR" dirty="0"/>
           </a:p>
